--- a/Distribution/Primer.pptx
+++ b/Distribution/Primer.pptx
@@ -106,6 +106,11 @@
       </a:defRPr>
     </a:lvl9pPr>
   </p:defaultTextStyle>
+  <p:extLst>
+    <p:ext uri="{EFAFB233-063F-42B5-8137-9DF3F51BA10A}">
+      <p15:sldGuideLst xmlns:p15="http://schemas.microsoft.com/office/powerpoint/2012/main"/>
+    </p:ext>
+  </p:extLst>
 </p:presentation>
 </file>
 
@@ -251,7 +256,7 @@
           <a:p>
             <a:fld id="{ACC0F69D-2CD6-41D5-8DE4-97096D7FC4E2}" type="datetimeFigureOut">
               <a:rPr lang="en-US" smtClean="0"/>
-              <a:t>3/23/2016</a:t>
+              <a:t>3/28/2016</a:t>
             </a:fld>
             <a:endParaRPr lang="en-US"/>
           </a:p>
@@ -420,7 +425,7 @@
           <a:p>
             <a:fld id="{ACC0F69D-2CD6-41D5-8DE4-97096D7FC4E2}" type="datetimeFigureOut">
               <a:rPr lang="en-US" smtClean="0"/>
-              <a:t>3/23/2016</a:t>
+              <a:t>3/28/2016</a:t>
             </a:fld>
             <a:endParaRPr lang="en-US"/>
           </a:p>
@@ -598,7 +603,7 @@
           <a:p>
             <a:fld id="{ACC0F69D-2CD6-41D5-8DE4-97096D7FC4E2}" type="datetimeFigureOut">
               <a:rPr lang="en-US" smtClean="0"/>
-              <a:t>3/23/2016</a:t>
+              <a:t>3/28/2016</a:t>
             </a:fld>
             <a:endParaRPr lang="en-US"/>
           </a:p>
@@ -885,7 +890,7 @@
           <a:p>
             <a:fld id="{ACC0F69D-2CD6-41D5-8DE4-97096D7FC4E2}" type="datetimeFigureOut">
               <a:rPr lang="en-US" smtClean="0"/>
-              <a:t>3/23/2016</a:t>
+              <a:t>3/28/2016</a:t>
             </a:fld>
             <a:endParaRPr lang="en-US"/>
           </a:p>
@@ -1093,7 +1098,7 @@
           <a:p>
             <a:fld id="{ACC0F69D-2CD6-41D5-8DE4-97096D7FC4E2}" type="datetimeFigureOut">
               <a:rPr lang="en-US" smtClean="0"/>
-              <a:t>3/23/2016</a:t>
+              <a:t>3/28/2016</a:t>
             </a:fld>
             <a:endParaRPr lang="en-US"/>
           </a:p>
@@ -1436,7 +1441,7 @@
           <a:p>
             <a:fld id="{ACC0F69D-2CD6-41D5-8DE4-97096D7FC4E2}" type="datetimeFigureOut">
               <a:rPr lang="en-US" smtClean="0"/>
-              <a:t>3/23/2016</a:t>
+              <a:t>3/28/2016</a:t>
             </a:fld>
             <a:endParaRPr lang="en-US"/>
           </a:p>
@@ -1711,7 +1716,7 @@
           <a:p>
             <a:fld id="{ACC0F69D-2CD6-41D5-8DE4-97096D7FC4E2}" type="datetimeFigureOut">
               <a:rPr lang="en-US" smtClean="0"/>
-              <a:t>3/23/2016</a:t>
+              <a:t>3/28/2016</a:t>
             </a:fld>
             <a:endParaRPr lang="en-US"/>
           </a:p>
@@ -2090,7 +2095,7 @@
           <a:p>
             <a:fld id="{ACC0F69D-2CD6-41D5-8DE4-97096D7FC4E2}" type="datetimeFigureOut">
               <a:rPr lang="en-US" smtClean="0"/>
-              <a:t>3/23/2016</a:t>
+              <a:t>3/28/2016</a:t>
             </a:fld>
             <a:endParaRPr lang="en-US"/>
           </a:p>
@@ -2208,7 +2213,7 @@
           <a:p>
             <a:fld id="{ACC0F69D-2CD6-41D5-8DE4-97096D7FC4E2}" type="datetimeFigureOut">
               <a:rPr lang="en-US" smtClean="0"/>
-              <a:t>3/23/2016</a:t>
+              <a:t>3/28/2016</a:t>
             </a:fld>
             <a:endParaRPr lang="en-US"/>
           </a:p>
@@ -2379,7 +2384,7 @@
           <a:p>
             <a:fld id="{ACC0F69D-2CD6-41D5-8DE4-97096D7FC4E2}" type="datetimeFigureOut">
               <a:rPr lang="en-US" smtClean="0"/>
-              <a:t>3/23/2016</a:t>
+              <a:t>3/28/2016</a:t>
             </a:fld>
             <a:endParaRPr lang="en-US"/>
           </a:p>
@@ -2733,7 +2738,7 @@
           <a:p>
             <a:fld id="{ACC0F69D-2CD6-41D5-8DE4-97096D7FC4E2}" type="datetimeFigureOut">
               <a:rPr lang="en-US" smtClean="0"/>
-              <a:t>3/23/2016</a:t>
+              <a:t>3/28/2016</a:t>
             </a:fld>
             <a:endParaRPr lang="en-US"/>
           </a:p>
@@ -2924,7 +2929,7 @@
           <a:p>
             <a:fld id="{ACC0F69D-2CD6-41D5-8DE4-97096D7FC4E2}" type="datetimeFigureOut">
               <a:rPr lang="en-US" smtClean="0"/>
-              <a:t>3/23/2016</a:t>
+              <a:t>3/28/2016</a:t>
             </a:fld>
             <a:endParaRPr lang="en-US"/>
           </a:p>
@@ -3280,7 +3285,7 @@
           <a:p>
             <a:fld id="{ACC0F69D-2CD6-41D5-8DE4-97096D7FC4E2}" type="datetimeFigureOut">
               <a:rPr lang="en-US" smtClean="0"/>
-              <a:t>3/23/2016</a:t>
+              <a:t>3/28/2016</a:t>
             </a:fld>
             <a:endParaRPr lang="en-US"/>
           </a:p>
@@ -3450,7 +3455,7 @@
           <a:p>
             <a:fld id="{ACC0F69D-2CD6-41D5-8DE4-97096D7FC4E2}" type="datetimeFigureOut">
               <a:rPr lang="en-US" smtClean="0"/>
-              <a:t>3/23/2016</a:t>
+              <a:t>3/28/2016</a:t>
             </a:fld>
             <a:endParaRPr lang="en-US"/>
           </a:p>
@@ -3706,7 +3711,7 @@
           <a:p>
             <a:fld id="{ACC0F69D-2CD6-41D5-8DE4-97096D7FC4E2}" type="datetimeFigureOut">
               <a:rPr lang="en-US" smtClean="0"/>
-              <a:t>3/23/2016</a:t>
+              <a:t>3/28/2016</a:t>
             </a:fld>
             <a:endParaRPr lang="en-US"/>
           </a:p>
@@ -3957,7 +3962,7 @@
           <a:p>
             <a:fld id="{ACC0F69D-2CD6-41D5-8DE4-97096D7FC4E2}" type="datetimeFigureOut">
               <a:rPr lang="en-US" smtClean="0"/>
-              <a:t>3/23/2016</a:t>
+              <a:t>3/28/2016</a:t>
             </a:fld>
             <a:endParaRPr lang="en-US"/>
           </a:p>
@@ -4189,7 +4194,7 @@
           <a:p>
             <a:fld id="{ACC0F69D-2CD6-41D5-8DE4-97096D7FC4E2}" type="datetimeFigureOut">
               <a:rPr lang="en-US" smtClean="0"/>
-              <a:t>3/23/2016</a:t>
+              <a:t>3/28/2016</a:t>
             </a:fld>
             <a:endParaRPr lang="en-US"/>
           </a:p>
@@ -4535,7 +4540,7 @@
           <a:p>
             <a:fld id="{ACC0F69D-2CD6-41D5-8DE4-97096D7FC4E2}" type="datetimeFigureOut">
               <a:rPr lang="en-US" smtClean="0"/>
-              <a:t>3/23/2016</a:t>
+              <a:t>3/28/2016</a:t>
             </a:fld>
             <a:endParaRPr lang="en-US"/>
           </a:p>
@@ -4653,7 +4658,7 @@
           <a:p>
             <a:fld id="{ACC0F69D-2CD6-41D5-8DE4-97096D7FC4E2}" type="datetimeFigureOut">
               <a:rPr lang="en-US" smtClean="0"/>
-              <a:t>3/23/2016</a:t>
+              <a:t>3/28/2016</a:t>
             </a:fld>
             <a:endParaRPr lang="en-US"/>
           </a:p>
@@ -4770,7 +4775,7 @@
           <a:p>
             <a:fld id="{ACC0F69D-2CD6-41D5-8DE4-97096D7FC4E2}" type="datetimeFigureOut">
               <a:rPr lang="en-US" smtClean="0"/>
-              <a:t>3/23/2016</a:t>
+              <a:t>3/28/2016</a:t>
             </a:fld>
             <a:endParaRPr lang="en-US"/>
           </a:p>
@@ -5054,7 +5059,7 @@
           <a:p>
             <a:fld id="{ACC0F69D-2CD6-41D5-8DE4-97096D7FC4E2}" type="datetimeFigureOut">
               <a:rPr lang="en-US" smtClean="0"/>
-              <a:t>3/23/2016</a:t>
+              <a:t>3/28/2016</a:t>
             </a:fld>
             <a:endParaRPr lang="en-US"/>
           </a:p>
@@ -5318,7 +5323,7 @@
           <a:p>
             <a:fld id="{ACC0F69D-2CD6-41D5-8DE4-97096D7FC4E2}" type="datetimeFigureOut">
               <a:rPr lang="en-US" smtClean="0"/>
-              <a:t>3/23/2016</a:t>
+              <a:t>3/28/2016</a:t>
             </a:fld>
             <a:endParaRPr lang="en-US"/>
           </a:p>
@@ -5532,7 +5537,7 @@
           <a:p>
             <a:fld id="{ACC0F69D-2CD6-41D5-8DE4-97096D7FC4E2}" type="datetimeFigureOut">
               <a:rPr lang="en-US" smtClean="0"/>
-              <a:t>3/23/2016</a:t>
+              <a:t>3/28/2016</a:t>
             </a:fld>
             <a:endParaRPr lang="en-US"/>
           </a:p>
@@ -6135,7 +6140,7 @@
           <a:p>
             <a:fld id="{ACC0F69D-2CD6-41D5-8DE4-97096D7FC4E2}" type="datetimeFigureOut">
               <a:rPr lang="en-US" smtClean="0"/>
-              <a:t>3/23/2016</a:t>
+              <a:t>3/28/2016</a:t>
             </a:fld>
             <a:endParaRPr lang="en-US"/>
           </a:p>
@@ -6696,7 +6701,10 @@
           <a:bodyPr/>
           <a:lstStyle/>
           <a:p>
-            <a:endParaRPr lang="en-US" dirty="0"/>
+            <a:r>
+              <a:rPr lang="en-US" dirty="0"/>
+              <a:t>Based on EXCEL-DNA</a:t>
+            </a:r>
           </a:p>
         </p:txBody>
       </p:sp>
@@ -6767,7 +6775,7 @@
           <a:bodyPr/>
           <a:lstStyle/>
           <a:p>
-            <a:endParaRPr lang="en-US"/>
+            <a:endParaRPr lang="en-US" dirty="0"/>
           </a:p>
         </p:txBody>
       </p:sp>
